--- a/meat/互動式網頁期末報告.pptx
+++ b/meat/互動式網頁期末報告.pptx
@@ -3754,18 +3754,14 @@
           <a:p>
             <a:r>
               <a:rPr lang="zh-TW" altLang="en-US" dirty="0" smtClean="0"/>
-              <a:t>菜單</a:t>
-            </a:r>
-            <a:r>
-              <a:rPr lang="zh-TW" altLang="en-US" smtClean="0"/>
-              <a:t>頁</a:t>
-            </a:r>
-            <a:r>
-              <a:rPr lang="zh-TW" altLang="en-US" smtClean="0"/>
+              <a:t>菜單頁</a:t>
+            </a:r>
+            <a:r>
+              <a:rPr lang="zh-TW" altLang="en-US" dirty="0" smtClean="0"/>
               <a:t>面</a:t>
             </a:r>
             <a:r>
-              <a:rPr lang="zh-TW" altLang="en-US"/>
+              <a:rPr lang="zh-TW" altLang="en-US" dirty="0"/>
               <a:t>設計</a:t>
             </a:r>
             <a:endParaRPr lang="zh-TW" altLang="en-US" dirty="0"/>
@@ -4006,13 +4002,11 @@
       </p:sp>
       <p:pic>
         <p:nvPicPr>
-          <p:cNvPr id="5" name="內容版面配置區 4"/>
+          <p:cNvPr id="4" name="圖片 3"/>
           <p:cNvPicPr>
-            <a:picLocks noGrp="1" noChangeAspect="1"/>
+            <a:picLocks noChangeAspect="1"/>
           </p:cNvPicPr>
-          <p:nvPr>
-            <p:ph idx="1"/>
-          </p:nvPr>
+          <p:nvPr/>
         </p:nvPicPr>
         <p:blipFill>
           <a:blip r:embed="rId2">
@@ -4028,21 +4022,24 @@
         </p:blipFill>
         <p:spPr>
           <a:xfrm>
-            <a:off x="464480" y="2132856"/>
-            <a:ext cx="6411776" cy="1944216"/>
+            <a:off x="938448" y="1717905"/>
+            <a:ext cx="7164288" cy="2629335"/>
           </a:xfrm>
+          <a:prstGeom prst="rect">
+            <a:avLst/>
+          </a:prstGeom>
         </p:spPr>
       </p:pic>
       <p:sp>
         <p:nvSpPr>
-          <p:cNvPr id="6" name="文字方塊 5"/>
+          <p:cNvPr id="7" name="文字方塊 6"/>
           <p:cNvSpPr txBox="1"/>
           <p:nvPr/>
         </p:nvSpPr>
         <p:spPr>
           <a:xfrm>
-            <a:off x="1187624" y="4653136"/>
-            <a:ext cx="5688633" cy="1200329"/>
+            <a:off x="683568" y="4797152"/>
+            <a:ext cx="8136904" cy="369332"/>
           </a:xfrm>
           <a:prstGeom prst="rect">
             <a:avLst/>
@@ -4056,57 +4053,18 @@
           <a:lstStyle/>
           <a:p>
             <a:r>
-              <a:rPr lang="zh-TW" altLang="en-US" dirty="0"/>
-              <a:t>在線上訂位頁面中需要選擇訂位日期，所以先</a:t>
-            </a:r>
-            <a:r>
               <a:rPr lang="zh-TW" altLang="en-US" dirty="0" smtClean="0"/>
               <a:t>利用</a:t>
             </a:r>
             <a:r>
               <a:rPr lang="en-US" altLang="zh-TW" dirty="0" smtClean="0"/>
-              <a:t>&lt;label&gt;</a:t>
+              <a:t>visual studio</a:t>
             </a:r>
             <a:r>
               <a:rPr lang="zh-TW" altLang="en-US" dirty="0" smtClean="0"/>
-              <a:t>增加</a:t>
-            </a:r>
-            <a:r>
-              <a:rPr lang="zh-TW" altLang="en-US" dirty="0"/>
-              <a:t>元件的可點擊範圍</a:t>
-            </a:r>
-            <a:r>
-              <a:rPr lang="zh-TW" altLang="en-US" dirty="0" smtClean="0"/>
-              <a:t>，再</a:t>
-            </a:r>
-            <a:r>
-              <a:rPr lang="zh-TW" altLang="en-US" dirty="0"/>
-              <a:t>加上</a:t>
-            </a:r>
-            <a:r>
-              <a:rPr lang="en-US" altLang="zh-TW" dirty="0"/>
-              <a:t>value</a:t>
-            </a:r>
-            <a:r>
-              <a:rPr lang="zh-TW" altLang="en-US" dirty="0"/>
-              <a:t>顯示頁面預設的日期，最後加上</a:t>
-            </a:r>
-            <a:r>
-              <a:rPr lang="en-US" altLang="zh-TW" dirty="0"/>
-              <a:t>min</a:t>
-            </a:r>
-            <a:r>
-              <a:rPr lang="zh-TW" altLang="en-US" dirty="0"/>
-              <a:t>、</a:t>
-            </a:r>
-            <a:r>
-              <a:rPr lang="en-US" altLang="zh-TW" dirty="0"/>
-              <a:t>max</a:t>
-            </a:r>
-            <a:r>
-              <a:rPr lang="zh-TW" altLang="en-US" dirty="0"/>
-              <a:t>設定訂位日期可選範圍。</a:t>
-            </a:r>
+              <a:t>內原有的日曆，製作我們的用餐日期選擇器。</a:t>
+            </a:r>
+            <a:endParaRPr lang="zh-TW" altLang="en-US" dirty="0"/>
           </a:p>
         </p:txBody>
       </p:sp>
